--- a/课程/6/6.pptx
+++ b/课程/6/6.pptx
@@ -14,15 +14,6 @@
     <p:sldId id="275" r:id="rId8"/>
     <p:sldId id="276" r:id="rId9"/>
     <p:sldId id="278" r:id="rId10"/>
-    <p:sldId id="277" r:id="rId11"/>
-    <p:sldId id="281" r:id="rId12"/>
-    <p:sldId id="279" r:id="rId13"/>
-    <p:sldId id="286" r:id="rId14"/>
-    <p:sldId id="310" r:id="rId15"/>
-    <p:sldId id="311" r:id="rId16"/>
-    <p:sldId id="287" r:id="rId17"/>
-    <p:sldId id="282" r:id="rId18"/>
-    <p:sldId id="284" r:id="rId19"/>
   </p:sldIdLst>
   <p:sldSz cx="12192000" cy="6858000"/>
   <p:notesSz cx="6858000" cy="9144000"/>
@@ -645,7 +636,7 @@
           <a:p>
             <a:fld id="{530820CF-B880-4189-942D-D702A7CBA730}" type="datetimeFigureOut">
               <a:rPr lang="zh-CN" altLang="en-US" smtClean="0"/>
-              <a:t>2021/7/11</a:t>
+              <a:t>2022/6/24</a:t>
             </a:fld>
             <a:endParaRPr lang="zh-CN" altLang="en-US"/>
           </a:p>
@@ -1044,7 +1035,7 @@
           <a:p>
             <a:fld id="{530820CF-B880-4189-942D-D702A7CBA730}" type="datetimeFigureOut">
               <a:rPr lang="zh-CN" altLang="en-US" smtClean="0"/>
-              <a:t>2021/7/11</a:t>
+              <a:t>2022/6/24</a:t>
             </a:fld>
             <a:endParaRPr lang="zh-CN" altLang="en-US"/>
           </a:p>
@@ -1304,7 +1295,7 @@
           <a:p>
             <a:fld id="{530820CF-B880-4189-942D-D702A7CBA730}" type="datetimeFigureOut">
               <a:rPr lang="zh-CN" altLang="en-US" smtClean="0"/>
-              <a:t>2021/7/11</a:t>
+              <a:t>2022/6/24</a:t>
             </a:fld>
             <a:endParaRPr lang="zh-CN" altLang="en-US"/>
           </a:p>
@@ -1856,7 +1847,7 @@
           <a:p>
             <a:fld id="{530820CF-B880-4189-942D-D702A7CBA730}" type="datetimeFigureOut">
               <a:rPr lang="zh-CN" altLang="en-US" smtClean="0"/>
-              <a:t>2021/7/11</a:t>
+              <a:t>2022/6/24</a:t>
             </a:fld>
             <a:endParaRPr lang="zh-CN" altLang="en-US"/>
           </a:p>
@@ -2116,7 +2107,7 @@
           <a:p>
             <a:fld id="{530820CF-B880-4189-942D-D702A7CBA730}" type="datetimeFigureOut">
               <a:rPr lang="zh-CN" altLang="en-US" smtClean="0"/>
-              <a:t>2021/7/11</a:t>
+              <a:t>2022/6/24</a:t>
             </a:fld>
             <a:endParaRPr lang="zh-CN" altLang="en-US"/>
           </a:p>
@@ -2660,7 +2651,7 @@
           <a:p>
             <a:fld id="{530820CF-B880-4189-942D-D702A7CBA730}" type="datetimeFigureOut">
               <a:rPr lang="zh-CN" altLang="en-US" smtClean="0"/>
-              <a:t>2021/7/11</a:t>
+              <a:t>2022/6/24</a:t>
             </a:fld>
             <a:endParaRPr lang="zh-CN" altLang="en-US"/>
           </a:p>
@@ -2969,7 +2960,7 @@
           <a:p>
             <a:fld id="{530820CF-B880-4189-942D-D702A7CBA730}" type="datetimeFigureOut">
               <a:rPr lang="zh-CN" altLang="en-US" smtClean="0"/>
-              <a:t>2021/7/11</a:t>
+              <a:t>2022/6/24</a:t>
             </a:fld>
             <a:endParaRPr lang="zh-CN" altLang="en-US"/>
           </a:p>
@@ -3155,7 +3146,7 @@
           <a:p>
             <a:fld id="{530820CF-B880-4189-942D-D702A7CBA730}" type="datetimeFigureOut">
               <a:rPr lang="zh-CN" altLang="en-US" smtClean="0"/>
-              <a:t>2021/7/11</a:t>
+              <a:t>2022/6/24</a:t>
             </a:fld>
             <a:endParaRPr lang="zh-CN" altLang="en-US"/>
           </a:p>
@@ -3347,7 +3338,7 @@
           <a:p>
             <a:fld id="{530820CF-B880-4189-942D-D702A7CBA730}" type="datetimeFigureOut">
               <a:rPr lang="zh-CN" altLang="en-US" smtClean="0"/>
-              <a:t>2021/7/11</a:t>
+              <a:t>2022/6/24</a:t>
             </a:fld>
             <a:endParaRPr lang="zh-CN" altLang="en-US"/>
           </a:p>
@@ -3544,7 +3535,7 @@
           <a:p>
             <a:fld id="{530820CF-B880-4189-942D-D702A7CBA730}" type="datetimeFigureOut">
               <a:rPr lang="zh-CN" altLang="en-US" smtClean="0"/>
-              <a:t>2021/7/11</a:t>
+              <a:t>2022/6/24</a:t>
             </a:fld>
             <a:endParaRPr lang="zh-CN" altLang="en-US"/>
           </a:p>
@@ -3812,7 +3803,7 @@
           <a:p>
             <a:fld id="{530820CF-B880-4189-942D-D702A7CBA730}" type="datetimeFigureOut">
               <a:rPr lang="zh-CN" altLang="en-US" smtClean="0"/>
-              <a:t>2021/7/11</a:t>
+              <a:t>2022/6/24</a:t>
             </a:fld>
             <a:endParaRPr lang="zh-CN" altLang="en-US"/>
           </a:p>
@@ -4126,7 +4117,7 @@
           <a:p>
             <a:fld id="{530820CF-B880-4189-942D-D702A7CBA730}" type="datetimeFigureOut">
               <a:rPr lang="zh-CN" altLang="en-US" smtClean="0"/>
-              <a:t>2021/7/11</a:t>
+              <a:t>2022/6/24</a:t>
             </a:fld>
             <a:endParaRPr lang="zh-CN" altLang="en-US"/>
           </a:p>
@@ -4580,7 +4571,7 @@
           <a:p>
             <a:fld id="{530820CF-B880-4189-942D-D702A7CBA730}" type="datetimeFigureOut">
               <a:rPr lang="zh-CN" altLang="en-US" smtClean="0"/>
-              <a:t>2021/7/11</a:t>
+              <a:t>2022/6/24</a:t>
             </a:fld>
             <a:endParaRPr lang="zh-CN" altLang="en-US"/>
           </a:p>
@@ -4710,7 +4701,7 @@
           <a:p>
             <a:fld id="{530820CF-B880-4189-942D-D702A7CBA730}" type="datetimeFigureOut">
               <a:rPr lang="zh-CN" altLang="en-US" smtClean="0"/>
-              <a:t>2021/7/11</a:t>
+              <a:t>2022/6/24</a:t>
             </a:fld>
             <a:endParaRPr lang="zh-CN" altLang="en-US"/>
           </a:p>
@@ -4817,7 +4808,7 @@
           <a:p>
             <a:fld id="{530820CF-B880-4189-942D-D702A7CBA730}" type="datetimeFigureOut">
               <a:rPr lang="zh-CN" altLang="en-US" smtClean="0"/>
-              <a:t>2021/7/11</a:t>
+              <a:t>2022/6/24</a:t>
             </a:fld>
             <a:endParaRPr lang="zh-CN" altLang="en-US"/>
           </a:p>
@@ -5112,7 +5103,7 @@
           <a:p>
             <a:fld id="{530820CF-B880-4189-942D-D702A7CBA730}" type="datetimeFigureOut">
               <a:rPr lang="zh-CN" altLang="en-US" smtClean="0"/>
-              <a:t>2021/7/11</a:t>
+              <a:t>2022/6/24</a:t>
             </a:fld>
             <a:endParaRPr lang="zh-CN" altLang="en-US"/>
           </a:p>
@@ -5415,7 +5406,7 @@
           <a:p>
             <a:fld id="{530820CF-B880-4189-942D-D702A7CBA730}" type="datetimeFigureOut">
               <a:rPr lang="zh-CN" altLang="en-US" smtClean="0"/>
-              <a:t>2021/7/11</a:t>
+              <a:t>2022/6/24</a:t>
             </a:fld>
             <a:endParaRPr lang="zh-CN" altLang="en-US"/>
           </a:p>
@@ -5951,7 +5942,7 @@
           <a:p>
             <a:fld id="{530820CF-B880-4189-942D-D702A7CBA730}" type="datetimeFigureOut">
               <a:rPr lang="zh-CN" altLang="en-US" smtClean="0"/>
-              <a:t>2021/7/11</a:t>
+              <a:t>2022/6/24</a:t>
             </a:fld>
             <a:endParaRPr lang="zh-CN" altLang="en-US"/>
           </a:p>
@@ -6517,7 +6508,7 @@
             <a:pPr algn="ctr"/>
             <a:r>
               <a:rPr lang="en-US" altLang="zh-CN" b="1" dirty="0"/>
-              <a:t>2021</a:t>
+              <a:t>2022</a:t>
             </a:r>
             <a:r>
               <a:rPr lang="zh-CN" altLang="en-US" b="1" dirty="0"/>
@@ -6585,949 +6576,12 @@
           </a:p>
         </p:txBody>
       </p:sp>
-    </p:spTree>
-  </p:cSld>
-  <p:clrMapOvr>
-    <a:masterClrMapping/>
-  </p:clrMapOvr>
-  <mc:AlternateContent xmlns:mc="http://schemas.openxmlformats.org/markup-compatibility/2006" xmlns:p14="http://schemas.microsoft.com/office/powerpoint/2010/main">
-    <mc:Choice Requires="p14">
-      <p:transition spd="slow" p14:dur="1250">
-        <p:push dir="u"/>
-      </p:transition>
-    </mc:Choice>
-    <mc:Fallback xmlns="">
-      <p:transition spd="slow">
-        <p:push dir="u"/>
-      </p:transition>
-    </mc:Fallback>
-  </mc:AlternateContent>
-</p:sld>
-</file>
-
-<file path=ppt/slides/slide10.xml><?xml version="1.0" encoding="utf-8"?>
-<p:sld xmlns:a="http://schemas.openxmlformats.org/drawingml/2006/main" xmlns:r="http://schemas.openxmlformats.org/officeDocument/2006/relationships" xmlns:p="http://schemas.openxmlformats.org/presentationml/2006/main">
-  <p:cSld>
-    <p:spTree>
-      <p:nvGrpSpPr>
-        <p:cNvPr id="1" name=""/>
-        <p:cNvGrpSpPr/>
-        <p:nvPr/>
-      </p:nvGrpSpPr>
-      <p:grpSpPr>
-        <a:xfrm>
-          <a:off x="0" y="0"/>
-          <a:ext cx="0" cy="0"/>
-          <a:chOff x="0" y="0"/>
-          <a:chExt cx="0" cy="0"/>
-        </a:xfrm>
-      </p:grpSpPr>
-      <p:sp>
-        <p:nvSpPr>
-          <p:cNvPr id="2" name="标题 1">
+      <p:pic>
+        <p:nvPicPr>
+          <p:cNvPr id="4" name="图片 3">
             <a:extLst>
               <a:ext uri="{FF2B5EF4-FFF2-40B4-BE49-F238E27FC236}">
-                <a16:creationId xmlns:a16="http://schemas.microsoft.com/office/drawing/2014/main" id="{EC712D1B-B9D5-44E5-A11E-92C28A90F9EB}"/>
-              </a:ext>
-            </a:extLst>
-          </p:cNvPr>
-          <p:cNvSpPr>
-            <a:spLocks noGrp="1"/>
-          </p:cNvSpPr>
-          <p:nvPr>
-            <p:ph type="title"/>
-          </p:nvPr>
-        </p:nvSpPr>
-        <p:spPr/>
-        <p:txBody>
-          <a:bodyPr/>
-          <a:lstStyle/>
-          <a:p>
-            <a:pPr algn="ctr"/>
-            <a:r>
-              <a:rPr lang="en-US" altLang="zh-CN" dirty="0"/>
-              <a:t>MQTT</a:t>
-            </a:r>
-            <a:r>
-              <a:rPr lang="zh-CN" altLang="zh-CN" dirty="0"/>
-              <a:t>与</a:t>
-            </a:r>
-            <a:r>
-              <a:rPr lang="en-US" altLang="zh-CN" dirty="0"/>
-              <a:t>IOT</a:t>
-            </a:r>
-            <a:endParaRPr lang="zh-CN" altLang="en-US" dirty="0"/>
-          </a:p>
-        </p:txBody>
-      </p:sp>
-      <p:sp>
-        <p:nvSpPr>
-          <p:cNvPr id="3" name="内容占位符 2">
-            <a:extLst>
-              <a:ext uri="{FF2B5EF4-FFF2-40B4-BE49-F238E27FC236}">
-                <a16:creationId xmlns:a16="http://schemas.microsoft.com/office/drawing/2014/main" id="{C66F8298-10C0-476A-B93A-79D3BCA1F34A}"/>
-              </a:ext>
-            </a:extLst>
-          </p:cNvPr>
-          <p:cNvSpPr>
-            <a:spLocks noGrp="1"/>
-          </p:cNvSpPr>
-          <p:nvPr>
-            <p:ph idx="1"/>
-          </p:nvPr>
-        </p:nvSpPr>
-        <p:spPr/>
-        <p:txBody>
-          <a:bodyPr>
-            <a:normAutofit fontScale="92500" lnSpcReduction="20000"/>
-          </a:bodyPr>
-          <a:lstStyle/>
-          <a:p>
-            <a:r>
-              <a:rPr lang="en-US" altLang="zh-CN" dirty="0"/>
-              <a:t>MQTT</a:t>
-            </a:r>
-            <a:r>
-              <a:rPr lang="zh-CN" altLang="zh-CN" dirty="0"/>
-              <a:t>（</a:t>
-            </a:r>
-            <a:r>
-              <a:rPr lang="en-US" altLang="zh-CN" dirty="0"/>
-              <a:t>Message Queuing Telemetry Transport</a:t>
-            </a:r>
-            <a:r>
-              <a:rPr lang="zh-CN" altLang="zh-CN" dirty="0"/>
-              <a:t>，消息队列遥测传输）是</a:t>
-            </a:r>
-            <a:r>
-              <a:rPr lang="en-US" altLang="zh-CN" dirty="0"/>
-              <a:t>IBM</a:t>
-            </a:r>
-            <a:r>
-              <a:rPr lang="zh-CN" altLang="zh-CN" dirty="0"/>
-              <a:t>开发的轻量级的基于发布</a:t>
-            </a:r>
-            <a:r>
-              <a:rPr lang="en-US" altLang="zh-CN" dirty="0"/>
-              <a:t> - </a:t>
-            </a:r>
-            <a:r>
-              <a:rPr lang="zh-CN" altLang="zh-CN" dirty="0"/>
-              <a:t>订阅的消息传递</a:t>
-            </a:r>
-            <a:r>
-              <a:rPr lang="zh-CN" altLang="en-US" dirty="0"/>
-              <a:t>的</a:t>
-            </a:r>
-            <a:r>
-              <a:rPr lang="zh-CN" altLang="zh-CN" dirty="0"/>
-              <a:t>协议。</a:t>
-            </a:r>
-            <a:r>
-              <a:rPr lang="zh-CN" altLang="en-US" dirty="0"/>
-              <a:t>它</a:t>
-            </a:r>
-            <a:r>
-              <a:rPr lang="zh-CN" altLang="zh-CN" dirty="0"/>
-              <a:t>支持所有平台，几乎可以把所有联网物品和外部连接起来，被用来当做传感器和制动器（比如通过</a:t>
-            </a:r>
-            <a:r>
-              <a:rPr lang="en-US" altLang="zh-CN" dirty="0"/>
-              <a:t>Twitter</a:t>
-            </a:r>
-            <a:r>
-              <a:rPr lang="zh-CN" altLang="zh-CN" dirty="0"/>
-              <a:t>让房屋联网）的通信协议。</a:t>
-            </a:r>
-          </a:p>
-          <a:p>
-            <a:pPr lvl="1"/>
-            <a:r>
-              <a:rPr lang="zh-CN" altLang="zh-CN" dirty="0"/>
-              <a:t>它比其他基于请求响应的</a:t>
-            </a:r>
-            <a:r>
-              <a:rPr lang="en-US" altLang="zh-CN" dirty="0"/>
-              <a:t>API</a:t>
-            </a:r>
-            <a:r>
-              <a:rPr lang="zh-CN" altLang="zh-CN" dirty="0"/>
-              <a:t>（如</a:t>
-            </a:r>
-            <a:r>
-              <a:rPr lang="en-US" altLang="zh-CN" dirty="0"/>
-              <a:t>HTTP</a:t>
-            </a:r>
-            <a:r>
-              <a:rPr lang="zh-CN" altLang="zh-CN" dirty="0"/>
-              <a:t>）更快。</a:t>
-            </a:r>
-          </a:p>
-          <a:p>
-            <a:pPr lvl="1"/>
-            <a:r>
-              <a:rPr lang="zh-CN" altLang="zh-CN" dirty="0"/>
-              <a:t>它是基于</a:t>
-            </a:r>
-            <a:r>
-              <a:rPr lang="en-US" altLang="zh-CN" dirty="0"/>
-              <a:t>TCP / IP</a:t>
-            </a:r>
-            <a:r>
-              <a:rPr lang="zh-CN" altLang="zh-CN" dirty="0"/>
-              <a:t>协议开发的。</a:t>
-            </a:r>
-          </a:p>
-          <a:p>
-            <a:pPr lvl="1"/>
-            <a:r>
-              <a:rPr lang="zh-CN" altLang="zh-CN" dirty="0"/>
-              <a:t>它允许远程定位设备在消息代理的帮助下连接，订阅，发布等到服务器上的特定主题。</a:t>
-            </a:r>
-          </a:p>
-          <a:p>
-            <a:pPr lvl="1"/>
-            <a:r>
-              <a:rPr lang="en-US" altLang="zh-CN" dirty="0"/>
-              <a:t>MQTT Broker / Message Broker</a:t>
-            </a:r>
-            <a:r>
-              <a:rPr lang="zh-CN" altLang="zh-CN" dirty="0"/>
-              <a:t>是发件人和收件人之间的一个模块。这是消息验证，转换和路由的一个元素。</a:t>
-            </a:r>
-          </a:p>
-          <a:p>
-            <a:pPr lvl="1"/>
-            <a:r>
-              <a:rPr lang="zh-CN" altLang="zh-CN" dirty="0"/>
-              <a:t>经纪人负责将消息分发给感兴趣的客户（订阅客户）。</a:t>
-            </a:r>
-          </a:p>
-        </p:txBody>
-      </p:sp>
-    </p:spTree>
-    <p:extLst>
-      <p:ext uri="{BB962C8B-B14F-4D97-AF65-F5344CB8AC3E}">
-        <p14:creationId xmlns:p14="http://schemas.microsoft.com/office/powerpoint/2010/main" val="2704697398"/>
-      </p:ext>
-    </p:extLst>
-  </p:cSld>
-  <p:clrMapOvr>
-    <a:masterClrMapping/>
-  </p:clrMapOvr>
-  <mc:AlternateContent xmlns:mc="http://schemas.openxmlformats.org/markup-compatibility/2006" xmlns:p14="http://schemas.microsoft.com/office/powerpoint/2010/main">
-    <mc:Choice Requires="p14">
-      <p:transition spd="slow" p14:dur="1250">
-        <p:push dir="u"/>
-      </p:transition>
-    </mc:Choice>
-    <mc:Fallback xmlns="">
-      <p:transition spd="slow">
-        <p:push dir="u"/>
-      </p:transition>
-    </mc:Fallback>
-  </mc:AlternateContent>
-</p:sld>
-</file>
-
-<file path=ppt/slides/slide11.xml><?xml version="1.0" encoding="utf-8"?>
-<p:sld xmlns:a="http://schemas.openxmlformats.org/drawingml/2006/main" xmlns:r="http://schemas.openxmlformats.org/officeDocument/2006/relationships" xmlns:p="http://schemas.openxmlformats.org/presentationml/2006/main">
-  <p:cSld>
-    <p:spTree>
-      <p:nvGrpSpPr>
-        <p:cNvPr id="1" name=""/>
-        <p:cNvGrpSpPr/>
-        <p:nvPr/>
-      </p:nvGrpSpPr>
-      <p:grpSpPr>
-        <a:xfrm>
-          <a:off x="0" y="0"/>
-          <a:ext cx="0" cy="0"/>
-          <a:chOff x="0" y="0"/>
-          <a:chExt cx="0" cy="0"/>
-        </a:xfrm>
-      </p:grpSpPr>
-      <p:sp>
-        <p:nvSpPr>
-          <p:cNvPr id="2" name="标题 1">
-            <a:extLst>
-              <a:ext uri="{FF2B5EF4-FFF2-40B4-BE49-F238E27FC236}">
-                <a16:creationId xmlns:a16="http://schemas.microsoft.com/office/drawing/2014/main" id="{CAF2E193-3073-4683-84E5-5930F0A9FA2C}"/>
-              </a:ext>
-            </a:extLst>
-          </p:cNvPr>
-          <p:cNvSpPr>
-            <a:spLocks noGrp="1"/>
-          </p:cNvSpPr>
-          <p:nvPr>
-            <p:ph type="title"/>
-          </p:nvPr>
-        </p:nvSpPr>
-        <p:spPr/>
-        <p:txBody>
-          <a:bodyPr/>
-          <a:lstStyle/>
-          <a:p>
-            <a:pPr algn="ctr"/>
-            <a:r>
-              <a:rPr lang="en-US" altLang="zh-CN" dirty="0"/>
-              <a:t>MQTT</a:t>
-            </a:r>
-            <a:r>
-              <a:rPr lang="zh-CN" altLang="zh-CN" dirty="0"/>
-              <a:t>与</a:t>
-            </a:r>
-            <a:r>
-              <a:rPr lang="en-US" altLang="zh-CN" dirty="0"/>
-              <a:t>IOT</a:t>
-            </a:r>
-            <a:r>
-              <a:rPr lang="zh-CN" altLang="en-US" dirty="0"/>
-              <a:t>（续）</a:t>
-            </a:r>
-          </a:p>
-        </p:txBody>
-      </p:sp>
-      <p:sp>
-        <p:nvSpPr>
-          <p:cNvPr id="3" name="内容占位符 2">
-            <a:extLst>
-              <a:ext uri="{FF2B5EF4-FFF2-40B4-BE49-F238E27FC236}">
-                <a16:creationId xmlns:a16="http://schemas.microsoft.com/office/drawing/2014/main" id="{5EBDBD7D-BE2F-4C51-99EC-85C3DD74976B}"/>
-              </a:ext>
-            </a:extLst>
-          </p:cNvPr>
-          <p:cNvSpPr>
-            <a:spLocks noGrp="1"/>
-          </p:cNvSpPr>
-          <p:nvPr>
-            <p:ph idx="1"/>
-          </p:nvPr>
-        </p:nvSpPr>
-        <p:spPr/>
-        <p:txBody>
-          <a:bodyPr>
-            <a:normAutofit/>
-          </a:bodyPr>
-          <a:lstStyle/>
-          <a:p>
-            <a:r>
-              <a:rPr lang="en-US" altLang="zh-CN" dirty="0"/>
-              <a:t>MQTT</a:t>
-            </a:r>
-            <a:r>
-              <a:rPr lang="zh-CN" altLang="zh-CN" dirty="0"/>
-              <a:t>广泛应用于物联网（</a:t>
-            </a:r>
-            <a:r>
-              <a:rPr lang="en-US" altLang="zh-CN" dirty="0"/>
-              <a:t>IoT</a:t>
-            </a:r>
-            <a:r>
-              <a:rPr lang="zh-CN" altLang="zh-CN" dirty="0"/>
-              <a:t>）嵌入式应用，每个传感器都连接到服务器，并且可以通过互联网进行控制</a:t>
-            </a:r>
-            <a:r>
-              <a:rPr lang="zh-CN" altLang="en-US" dirty="0"/>
-              <a:t>。</a:t>
-            </a:r>
-            <a:endParaRPr lang="zh-CN" altLang="zh-CN" dirty="0"/>
-          </a:p>
-          <a:p>
-            <a:r>
-              <a:rPr lang="en-US" altLang="zh-CN" dirty="0" err="1"/>
-              <a:t>NodeMCU</a:t>
-            </a:r>
-            <a:r>
-              <a:rPr lang="zh-CN" altLang="zh-CN" dirty="0"/>
-              <a:t>是一个开源的物联网平台。这是一个运行在</a:t>
-            </a:r>
-            <a:r>
-              <a:rPr lang="en-US" altLang="zh-CN" dirty="0" err="1"/>
-              <a:t>Espressif</a:t>
-            </a:r>
-            <a:r>
-              <a:rPr lang="en-US" altLang="zh-CN" dirty="0"/>
-              <a:t> Systems</a:t>
-            </a:r>
-            <a:r>
-              <a:rPr lang="zh-CN" altLang="zh-CN" dirty="0"/>
-              <a:t>的</a:t>
-            </a:r>
-            <a:r>
-              <a:rPr lang="en-US" altLang="zh-CN" dirty="0"/>
-              <a:t>ESP8266 Wi-Fi SoC</a:t>
-            </a:r>
-            <a:r>
-              <a:rPr lang="zh-CN" altLang="zh-CN" dirty="0"/>
-              <a:t>上的固件。它具有可用的物联网应用程序易于构建的无线网络</a:t>
-            </a:r>
-            <a:r>
-              <a:rPr lang="zh-CN" altLang="en-US" dirty="0"/>
-              <a:t>。</a:t>
-            </a:r>
-            <a:endParaRPr lang="zh-CN" altLang="zh-CN" dirty="0"/>
-          </a:p>
-          <a:p>
-            <a:r>
-              <a:rPr lang="en-US" altLang="zh-CN" dirty="0" err="1"/>
-              <a:t>NodeMCU</a:t>
-            </a:r>
-            <a:r>
-              <a:rPr lang="zh-CN" altLang="zh-CN" dirty="0"/>
-              <a:t>的</a:t>
-            </a:r>
-            <a:r>
-              <a:rPr lang="en-US" altLang="zh-CN" dirty="0"/>
-              <a:t>MQTT</a:t>
-            </a:r>
-            <a:r>
-              <a:rPr lang="zh-CN" altLang="zh-CN" dirty="0"/>
-              <a:t>客户端模块与</a:t>
-            </a:r>
-            <a:r>
-              <a:rPr lang="en-US" altLang="zh-CN" dirty="0"/>
-              <a:t>MQTT</a:t>
-            </a:r>
-            <a:r>
-              <a:rPr lang="zh-CN" altLang="zh-CN" dirty="0"/>
-              <a:t>协议版本</a:t>
-            </a:r>
-            <a:r>
-              <a:rPr lang="en-US" altLang="zh-CN" dirty="0"/>
-              <a:t>3.1.1</a:t>
-            </a:r>
-            <a:r>
-              <a:rPr lang="zh-CN" altLang="zh-CN" dirty="0"/>
-              <a:t>相同。确保您的代理支持</a:t>
-            </a:r>
-            <a:r>
-              <a:rPr lang="en-US" altLang="zh-CN" dirty="0"/>
-              <a:t>3.1.1</a:t>
-            </a:r>
-            <a:r>
-              <a:rPr lang="zh-CN" altLang="zh-CN" dirty="0"/>
-              <a:t>版，并且已正确配置</a:t>
-            </a:r>
-            <a:r>
-              <a:rPr lang="zh-CN" altLang="en-US" dirty="0"/>
-              <a:t>。</a:t>
-            </a:r>
-          </a:p>
-        </p:txBody>
-      </p:sp>
-    </p:spTree>
-    <p:extLst>
-      <p:ext uri="{BB962C8B-B14F-4D97-AF65-F5344CB8AC3E}">
-        <p14:creationId xmlns:p14="http://schemas.microsoft.com/office/powerpoint/2010/main" val="1186418869"/>
-      </p:ext>
-    </p:extLst>
-  </p:cSld>
-  <p:clrMapOvr>
-    <a:masterClrMapping/>
-  </p:clrMapOvr>
-  <mc:AlternateContent xmlns:mc="http://schemas.openxmlformats.org/markup-compatibility/2006" xmlns:p14="http://schemas.microsoft.com/office/powerpoint/2010/main">
-    <mc:Choice Requires="p14">
-      <p:transition spd="slow" p14:dur="1250">
-        <p:push dir="u"/>
-      </p:transition>
-    </mc:Choice>
-    <mc:Fallback xmlns="">
-      <p:transition spd="slow">
-        <p:push dir="u"/>
-      </p:transition>
-    </mc:Fallback>
-  </mc:AlternateContent>
-</p:sld>
-</file>
-
-<file path=ppt/slides/slide12.xml><?xml version="1.0" encoding="utf-8"?>
-<p:sld xmlns:a="http://schemas.openxmlformats.org/drawingml/2006/main" xmlns:r="http://schemas.openxmlformats.org/officeDocument/2006/relationships" xmlns:p="http://schemas.openxmlformats.org/presentationml/2006/main">
-  <p:cSld>
-    <p:spTree>
-      <p:nvGrpSpPr>
-        <p:cNvPr id="1" name=""/>
-        <p:cNvGrpSpPr/>
-        <p:nvPr/>
-      </p:nvGrpSpPr>
-      <p:grpSpPr>
-        <a:xfrm>
-          <a:off x="0" y="0"/>
-          <a:ext cx="0" cy="0"/>
-          <a:chOff x="0" y="0"/>
-          <a:chExt cx="0" cy="0"/>
-        </a:xfrm>
-      </p:grpSpPr>
-      <p:sp>
-        <p:nvSpPr>
-          <p:cNvPr id="2" name="标题 1">
-            <a:extLst>
-              <a:ext uri="{FF2B5EF4-FFF2-40B4-BE49-F238E27FC236}">
-                <a16:creationId xmlns:a16="http://schemas.microsoft.com/office/drawing/2014/main" id="{E8043261-AAF2-4361-B4F6-3B60A714824E}"/>
-              </a:ext>
-            </a:extLst>
-          </p:cNvPr>
-          <p:cNvSpPr>
-            <a:spLocks noGrp="1"/>
-          </p:cNvSpPr>
-          <p:nvPr>
-            <p:ph type="title"/>
-          </p:nvPr>
-        </p:nvSpPr>
-        <p:spPr/>
-        <p:txBody>
-          <a:bodyPr/>
-          <a:lstStyle/>
-          <a:p>
-            <a:pPr algn="ctr"/>
-            <a:r>
-              <a:rPr lang="en-US" altLang="zh-CN" dirty="0"/>
-              <a:t>MQTT</a:t>
-            </a:r>
-            <a:r>
-              <a:rPr lang="zh-CN" altLang="zh-CN" dirty="0"/>
-              <a:t>与</a:t>
-            </a:r>
-            <a:r>
-              <a:rPr lang="en-US" altLang="zh-CN" dirty="0"/>
-              <a:t>IOT</a:t>
-            </a:r>
-            <a:r>
-              <a:rPr lang="zh-CN" altLang="en-US" dirty="0"/>
-              <a:t>（续）</a:t>
-            </a:r>
-          </a:p>
-        </p:txBody>
-      </p:sp>
-      <p:sp>
-        <p:nvSpPr>
-          <p:cNvPr id="7" name="内容占位符 6">
-            <a:extLst>
-              <a:ext uri="{FF2B5EF4-FFF2-40B4-BE49-F238E27FC236}">
-                <a16:creationId xmlns:a16="http://schemas.microsoft.com/office/drawing/2014/main" id="{7219803E-0A19-4D07-ACE1-13AA92E7F641}"/>
-              </a:ext>
-            </a:extLst>
-          </p:cNvPr>
-          <p:cNvSpPr>
-            <a:spLocks noGrp="1"/>
-          </p:cNvSpPr>
-          <p:nvPr>
-            <p:ph idx="1"/>
-          </p:nvPr>
-        </p:nvSpPr>
-        <p:spPr>
-          <a:xfrm>
-            <a:off x="1309512" y="2092752"/>
-            <a:ext cx="10272889" cy="1336248"/>
-          </a:xfrm>
-        </p:spPr>
-        <p:txBody>
-          <a:bodyPr>
-            <a:normAutofit/>
-          </a:bodyPr>
-          <a:lstStyle/>
-          <a:p>
-            <a:r>
-              <a:rPr lang="zh-CN" altLang="zh-CN" dirty="0"/>
-              <a:t>如果温度传感器发布</a:t>
-            </a:r>
-            <a:r>
-              <a:rPr lang="en-US" altLang="zh-CN" dirty="0"/>
-              <a:t>“</a:t>
-            </a:r>
-            <a:r>
-              <a:rPr lang="zh-CN" altLang="zh-CN" dirty="0"/>
-              <a:t>温度</a:t>
-            </a:r>
-            <a:r>
-              <a:rPr lang="en-US" altLang="zh-CN" dirty="0"/>
-              <a:t>”</a:t>
-            </a:r>
-            <a:r>
-              <a:rPr lang="zh-CN" altLang="zh-CN" dirty="0"/>
-              <a:t>主题的温度数据（消息），那么订购了</a:t>
-            </a:r>
-            <a:r>
-              <a:rPr lang="en-US" altLang="zh-CN" dirty="0"/>
-              <a:t>“</a:t>
-            </a:r>
-            <a:r>
-              <a:rPr lang="zh-CN" altLang="zh-CN" dirty="0"/>
-              <a:t>温度</a:t>
-            </a:r>
-            <a:r>
-              <a:rPr lang="en-US" altLang="zh-CN" dirty="0"/>
-              <a:t>”</a:t>
-            </a:r>
-            <a:r>
-              <a:rPr lang="zh-CN" altLang="zh-CN" dirty="0"/>
-              <a:t>主题的客户就可以获得公布的温度数据。</a:t>
-            </a:r>
-          </a:p>
-        </p:txBody>
-      </p:sp>
-      <p:pic>
-        <p:nvPicPr>
-          <p:cNvPr id="8" name="图片 7" descr="MQTT Broker nw">
-            <a:extLst>
-              <a:ext uri="{FF2B5EF4-FFF2-40B4-BE49-F238E27FC236}">
-                <a16:creationId xmlns:a16="http://schemas.microsoft.com/office/drawing/2014/main" id="{3091D98B-E922-4119-A643-E8016E760A6C}"/>
-              </a:ext>
-            </a:extLst>
-          </p:cNvPr>
-          <p:cNvPicPr/>
-          <p:nvPr/>
-        </p:nvPicPr>
-        <p:blipFill>
-          <a:blip r:embed="rId2" cstate="print">
-            <a:extLst>
-              <a:ext uri="{28A0092B-C50C-407E-A947-70E740481C1C}">
-                <a14:useLocalDpi xmlns:a14="http://schemas.microsoft.com/office/drawing/2010/main" val="0"/>
-              </a:ext>
-            </a:extLst>
-          </a:blip>
-          <a:srcRect/>
-          <a:stretch>
-            <a:fillRect/>
-          </a:stretch>
-        </p:blipFill>
-        <p:spPr bwMode="auto">
-          <a:xfrm>
-            <a:off x="3813246" y="3429000"/>
-            <a:ext cx="5265420" cy="2971800"/>
-          </a:xfrm>
-          <a:prstGeom prst="rect">
-            <a:avLst/>
-          </a:prstGeom>
-          <a:noFill/>
-          <a:ln>
-            <a:noFill/>
-          </a:ln>
-        </p:spPr>
-      </p:pic>
-    </p:spTree>
-    <p:extLst>
-      <p:ext uri="{BB962C8B-B14F-4D97-AF65-F5344CB8AC3E}">
-        <p14:creationId xmlns:p14="http://schemas.microsoft.com/office/powerpoint/2010/main" val="364897639"/>
-      </p:ext>
-    </p:extLst>
-  </p:cSld>
-  <p:clrMapOvr>
-    <a:masterClrMapping/>
-  </p:clrMapOvr>
-  <mc:AlternateContent xmlns:mc="http://schemas.openxmlformats.org/markup-compatibility/2006" xmlns:p14="http://schemas.microsoft.com/office/powerpoint/2010/main">
-    <mc:Choice Requires="p14">
-      <p:transition spd="slow" p14:dur="1250">
-        <p:push dir="u"/>
-      </p:transition>
-    </mc:Choice>
-    <mc:Fallback xmlns="">
-      <p:transition spd="slow">
-        <p:push dir="u"/>
-      </p:transition>
-    </mc:Fallback>
-  </mc:AlternateContent>
-</p:sld>
-</file>
-
-<file path=ppt/slides/slide13.xml><?xml version="1.0" encoding="utf-8"?>
-<p:sld xmlns:a="http://schemas.openxmlformats.org/drawingml/2006/main" xmlns:r="http://schemas.openxmlformats.org/officeDocument/2006/relationships" xmlns:p="http://schemas.openxmlformats.org/presentationml/2006/main">
-  <p:cSld>
-    <p:spTree>
-      <p:nvGrpSpPr>
-        <p:cNvPr id="1" name=""/>
-        <p:cNvGrpSpPr/>
-        <p:nvPr/>
-      </p:nvGrpSpPr>
-      <p:grpSpPr>
-        <a:xfrm>
-          <a:off x="0" y="0"/>
-          <a:ext cx="0" cy="0"/>
-          <a:chOff x="0" y="0"/>
-          <a:chExt cx="0" cy="0"/>
-        </a:xfrm>
-      </p:grpSpPr>
-      <p:sp>
-        <p:nvSpPr>
-          <p:cNvPr id="2" name="标题 1">
-            <a:extLst>
-              <a:ext uri="{FF2B5EF4-FFF2-40B4-BE49-F238E27FC236}">
-                <a16:creationId xmlns:a16="http://schemas.microsoft.com/office/drawing/2014/main" id="{9EF8834E-ED9E-4990-998E-65FCD5E51C57}"/>
-              </a:ext>
-            </a:extLst>
-          </p:cNvPr>
-          <p:cNvSpPr>
-            <a:spLocks noGrp="1"/>
-          </p:cNvSpPr>
-          <p:nvPr>
-            <p:ph type="title"/>
-          </p:nvPr>
-        </p:nvSpPr>
-        <p:spPr/>
-        <p:txBody>
-          <a:bodyPr>
-            <a:normAutofit/>
-          </a:bodyPr>
-          <a:lstStyle/>
-          <a:p>
-            <a:r>
-              <a:rPr lang="en-US" altLang="zh-CN" sz="2800" dirty="0"/>
-              <a:t>Adafruit</a:t>
-            </a:r>
-            <a:endParaRPr lang="zh-CN" altLang="en-US" sz="2800" dirty="0"/>
-          </a:p>
-        </p:txBody>
-      </p:sp>
-      <p:sp>
-        <p:nvSpPr>
-          <p:cNvPr id="3" name="内容占位符 2">
-            <a:extLst>
-              <a:ext uri="{FF2B5EF4-FFF2-40B4-BE49-F238E27FC236}">
-                <a16:creationId xmlns:a16="http://schemas.microsoft.com/office/drawing/2014/main" id="{4EA5875F-BB23-4917-923D-DF8A7BA4C46C}"/>
-              </a:ext>
-            </a:extLst>
-          </p:cNvPr>
-          <p:cNvSpPr>
-            <a:spLocks noGrp="1"/>
-          </p:cNvSpPr>
-          <p:nvPr>
-            <p:ph idx="1"/>
-          </p:nvPr>
-        </p:nvSpPr>
-        <p:spPr/>
-        <p:txBody>
-          <a:bodyPr>
-            <a:normAutofit fontScale="92500" lnSpcReduction="10000"/>
-          </a:bodyPr>
-          <a:lstStyle/>
-          <a:p>
-            <a:r>
-              <a:rPr lang="zh-CN" altLang="zh-CN" dirty="0"/>
-              <a:t>打开链接</a:t>
-            </a:r>
-            <a:r>
-              <a:rPr lang="en-US" altLang="zh-CN" dirty="0"/>
-              <a:t> </a:t>
-            </a:r>
-            <a:r>
-              <a:rPr lang="en-US" altLang="zh-CN" dirty="0">
-                <a:hlinkClick r:id="rId2"/>
-              </a:rPr>
-              <a:t>https://io.adafruit.com/</a:t>
-            </a:r>
-            <a:r>
-              <a:rPr lang="en-US" altLang="zh-CN" dirty="0"/>
-              <a:t> </a:t>
-            </a:r>
-            <a:r>
-              <a:rPr lang="zh-CN" altLang="zh-CN" dirty="0"/>
-              <a:t>，注册用户并登陆。</a:t>
-            </a:r>
-          </a:p>
-          <a:p>
-            <a:r>
-              <a:rPr lang="zh-CN" altLang="en-US" dirty="0"/>
-              <a:t>在菜单栏选择 “</a:t>
-            </a:r>
-            <a:r>
-              <a:rPr lang="en-US" altLang="zh-CN" dirty="0"/>
-              <a:t>IO -&gt; New Dashboard</a:t>
-            </a:r>
-            <a:r>
-              <a:rPr lang="zh-CN" altLang="en-US" dirty="0"/>
-              <a:t>”，假设创建 </a:t>
-            </a:r>
-            <a:r>
-              <a:rPr lang="en-US" altLang="zh-CN" dirty="0"/>
-              <a:t>IOT</a:t>
-            </a:r>
-            <a:r>
-              <a:rPr lang="zh-CN" altLang="en-US" dirty="0"/>
-              <a:t>。</a:t>
-            </a:r>
-            <a:endParaRPr lang="en-US" altLang="zh-CN" dirty="0"/>
-          </a:p>
-          <a:p>
-            <a:r>
-              <a:rPr lang="zh-CN" altLang="en-US" dirty="0"/>
-              <a:t>在菜单栏选择 “</a:t>
-            </a:r>
-            <a:r>
-              <a:rPr lang="en-US" altLang="zh-CN" dirty="0"/>
-              <a:t>My Key</a:t>
-            </a:r>
-            <a:r>
-              <a:rPr lang="zh-CN" altLang="en-US" dirty="0"/>
-              <a:t>”，取得用户名和</a:t>
-            </a:r>
-            <a:r>
-              <a:rPr lang="en-US" altLang="zh-CN" dirty="0"/>
-              <a:t>AIO</a:t>
-            </a:r>
-            <a:r>
-              <a:rPr lang="zh-CN" altLang="zh-CN" dirty="0"/>
-              <a:t>密钥</a:t>
-            </a:r>
-            <a:r>
-              <a:rPr lang="zh-CN" altLang="en-US" dirty="0"/>
-              <a:t>。</a:t>
-            </a:r>
-            <a:r>
-              <a:rPr lang="zh-CN" altLang="zh-CN" dirty="0"/>
-              <a:t>稍后用于访问馈送数据</a:t>
-            </a:r>
-            <a:r>
-              <a:rPr lang="zh-CN" altLang="en-US" dirty="0"/>
-              <a:t>。</a:t>
-            </a:r>
-            <a:endParaRPr lang="zh-CN" altLang="zh-CN" dirty="0"/>
-          </a:p>
-          <a:p>
-            <a:r>
-              <a:rPr lang="zh-CN" altLang="en-US" dirty="0"/>
-              <a:t>资料</a:t>
-            </a:r>
-            <a:r>
-              <a:rPr lang="zh-CN" altLang="zh-CN" dirty="0"/>
-              <a:t>参阅链接：</a:t>
-            </a:r>
-          </a:p>
-          <a:p>
-            <a:pPr lvl="1"/>
-            <a:r>
-              <a:rPr lang="en-US" altLang="zh-CN" u="sng" dirty="0">
-                <a:hlinkClick r:id="rId3"/>
-              </a:rPr>
-              <a:t>https://learn.adafruit.com/adafruit-io-basics-dashboards/creating-a-dashboard</a:t>
-            </a:r>
-            <a:endParaRPr lang="zh-CN" altLang="zh-CN" dirty="0"/>
-          </a:p>
-          <a:p>
-            <a:r>
-              <a:rPr lang="zh-CN" altLang="en-US" dirty="0"/>
-              <a:t>打开</a:t>
-            </a:r>
-            <a:r>
-              <a:rPr lang="en-US" altLang="zh-CN" dirty="0"/>
-              <a:t>IOT Dashboard</a:t>
-            </a:r>
-            <a:r>
-              <a:rPr lang="zh-CN" altLang="zh-CN" dirty="0"/>
-              <a:t>，可以添加各种可用于控制</a:t>
-            </a:r>
-            <a:r>
-              <a:rPr lang="zh-CN" altLang="en-US" dirty="0"/>
-              <a:t>和监视</a:t>
-            </a:r>
-            <a:r>
-              <a:rPr lang="zh-CN" altLang="zh-CN" dirty="0"/>
-              <a:t>设备的模块</a:t>
-            </a:r>
-            <a:r>
-              <a:rPr lang="zh-CN" altLang="en-US" dirty="0"/>
-              <a:t>。如可以创建一个开关灯的按钮，在仪表盘右上角的设置中选择“</a:t>
-            </a:r>
-            <a:r>
-              <a:rPr lang="en-US" altLang="zh-CN" dirty="0"/>
-              <a:t>Create New Block</a:t>
-            </a:r>
-            <a:r>
-              <a:rPr lang="zh-CN" altLang="en-US" dirty="0"/>
-              <a:t>”，选择“</a:t>
-            </a:r>
-            <a:r>
-              <a:rPr lang="en-US" altLang="zh-CN" dirty="0"/>
-              <a:t>Toggle</a:t>
-            </a:r>
-            <a:r>
-              <a:rPr lang="zh-CN" altLang="en-US" dirty="0"/>
-              <a:t>”进行配置即可。</a:t>
-            </a:r>
-            <a:endParaRPr lang="zh-CN" altLang="zh-CN" dirty="0"/>
-          </a:p>
-        </p:txBody>
-      </p:sp>
-    </p:spTree>
-    <p:extLst>
-      <p:ext uri="{BB962C8B-B14F-4D97-AF65-F5344CB8AC3E}">
-        <p14:creationId xmlns:p14="http://schemas.microsoft.com/office/powerpoint/2010/main" val="3462775576"/>
-      </p:ext>
-    </p:extLst>
-  </p:cSld>
-  <p:clrMapOvr>
-    <a:masterClrMapping/>
-  </p:clrMapOvr>
-  <mc:AlternateContent xmlns:mc="http://schemas.openxmlformats.org/markup-compatibility/2006" xmlns:p14="http://schemas.microsoft.com/office/powerpoint/2010/main">
-    <mc:Choice Requires="p14">
-      <p:transition spd="slow" p14:dur="1250">
-        <p:push dir="u"/>
-      </p:transition>
-    </mc:Choice>
-    <mc:Fallback xmlns="">
-      <p:transition spd="slow">
-        <p:push dir="u"/>
-      </p:transition>
-    </mc:Fallback>
-  </mc:AlternateContent>
-</p:sld>
-</file>
-
-<file path=ppt/slides/slide14.xml><?xml version="1.0" encoding="utf-8"?>
-<p:sld xmlns:a="http://schemas.openxmlformats.org/drawingml/2006/main" xmlns:r="http://schemas.openxmlformats.org/officeDocument/2006/relationships" xmlns:p="http://schemas.openxmlformats.org/presentationml/2006/main">
-  <p:cSld>
-    <p:spTree>
-      <p:nvGrpSpPr>
-        <p:cNvPr id="1" name=""/>
-        <p:cNvGrpSpPr/>
-        <p:nvPr/>
-      </p:nvGrpSpPr>
-      <p:grpSpPr>
-        <a:xfrm>
-          <a:off x="0" y="0"/>
-          <a:ext cx="0" cy="0"/>
-          <a:chOff x="0" y="0"/>
-          <a:chExt cx="0" cy="0"/>
-        </a:xfrm>
-      </p:grpSpPr>
-      <p:sp>
-        <p:nvSpPr>
-          <p:cNvPr id="4" name="标题 3">
-            <a:extLst>
-              <a:ext uri="{FF2B5EF4-FFF2-40B4-BE49-F238E27FC236}">
-                <a16:creationId xmlns:a16="http://schemas.microsoft.com/office/drawing/2014/main" id="{1F11C59F-4D69-425C-B64F-4A2E09C42463}"/>
-              </a:ext>
-            </a:extLst>
-          </p:cNvPr>
-          <p:cNvSpPr>
-            <a:spLocks noGrp="1"/>
-          </p:cNvSpPr>
-          <p:nvPr>
-            <p:ph type="title"/>
-          </p:nvPr>
-        </p:nvSpPr>
-        <p:spPr/>
-        <p:txBody>
-          <a:bodyPr/>
-          <a:lstStyle/>
-          <a:p>
-            <a:r>
-              <a:rPr lang="zh-CN" altLang="en-US" dirty="0"/>
-              <a:t>创建 </a:t>
-            </a:r>
-            <a:r>
-              <a:rPr lang="en-US" altLang="zh-CN" dirty="0"/>
-              <a:t>Feeds</a:t>
-            </a:r>
-            <a:endParaRPr lang="zh-CN" altLang="en-US" dirty="0"/>
-          </a:p>
-        </p:txBody>
-      </p:sp>
-      <p:pic>
-        <p:nvPicPr>
-          <p:cNvPr id="6" name="图片 5">
-            <a:extLst>
-              <a:ext uri="{FF2B5EF4-FFF2-40B4-BE49-F238E27FC236}">
-                <a16:creationId xmlns:a16="http://schemas.microsoft.com/office/drawing/2014/main" id="{17296B4B-C3D3-4A86-9EB1-9164B6A1BDEB}"/>
+                <a16:creationId xmlns:a16="http://schemas.microsoft.com/office/drawing/2014/main" id="{41E44039-6FA1-AD94-18E4-226BA4907E54}"/>
               </a:ext>
             </a:extLst>
           </p:cNvPr>
@@ -7544,915 +6598,15 @@
         </p:blipFill>
         <p:spPr>
           <a:xfrm>
-            <a:off x="6198687" y="2438401"/>
-            <a:ext cx="5200650" cy="3132840"/>
+            <a:off x="6877686" y="7620"/>
+            <a:ext cx="3772535" cy="673100"/>
           </a:xfrm>
           <a:prstGeom prst="rect">
             <a:avLst/>
           </a:prstGeom>
         </p:spPr>
       </p:pic>
-      <p:sp>
-        <p:nvSpPr>
-          <p:cNvPr id="9" name="文本框 8">
-            <a:extLst>
-              <a:ext uri="{FF2B5EF4-FFF2-40B4-BE49-F238E27FC236}">
-                <a16:creationId xmlns:a16="http://schemas.microsoft.com/office/drawing/2014/main" id="{1DE3BD73-78C9-4027-8F47-5A1D04856528}"/>
-              </a:ext>
-            </a:extLst>
-          </p:cNvPr>
-          <p:cNvSpPr txBox="1"/>
-          <p:nvPr/>
-        </p:nvSpPr>
-        <p:spPr>
-          <a:xfrm>
-            <a:off x="1309512" y="2330517"/>
-            <a:ext cx="4518264" cy="3348609"/>
-          </a:xfrm>
-          <a:prstGeom prst="rect">
-            <a:avLst/>
-          </a:prstGeom>
-          <a:noFill/>
-        </p:spPr>
-        <p:txBody>
-          <a:bodyPr wrap="square" rtlCol="0">
-            <a:spAutoFit/>
-          </a:bodyPr>
-          <a:lstStyle/>
-          <a:p>
-            <a:pPr marL="285750" indent="-285750" defTabSz="457200">
-              <a:spcBef>
-                <a:spcPct val="20000"/>
-              </a:spcBef>
-              <a:spcAft>
-                <a:spcPts val="600"/>
-              </a:spcAft>
-              <a:buClr>
-                <a:schemeClr val="accent1">
-                  <a:lumMod val="75000"/>
-                </a:schemeClr>
-              </a:buClr>
-              <a:buSzPct val="145000"/>
-              <a:buFont typeface="Arial" panose="020B0604020202020204"/>
-              <a:buChar char="•"/>
-            </a:pPr>
-            <a:r>
-              <a:rPr lang="zh-CN" altLang="en-US" sz="2400" dirty="0"/>
-              <a:t>创建的 </a:t>
-            </a:r>
-            <a:r>
-              <a:rPr lang="en-US" altLang="zh-CN" sz="2400" dirty="0"/>
-              <a:t>Feeds </a:t>
-            </a:r>
-            <a:r>
-              <a:rPr lang="zh-CN" altLang="en-US" sz="2400" dirty="0"/>
-              <a:t>需要和代码中的保持一致。</a:t>
-            </a:r>
-            <a:endParaRPr lang="en-US" altLang="zh-CN" sz="2400" dirty="0"/>
-          </a:p>
-          <a:p>
-            <a:pPr marL="285750" indent="-285750" defTabSz="457200">
-              <a:spcBef>
-                <a:spcPct val="20000"/>
-              </a:spcBef>
-              <a:spcAft>
-                <a:spcPts val="600"/>
-              </a:spcAft>
-              <a:buClr>
-                <a:schemeClr val="accent1">
-                  <a:lumMod val="75000"/>
-                </a:schemeClr>
-              </a:buClr>
-              <a:buSzPct val="145000"/>
-              <a:buFont typeface="Arial" panose="020B0604020202020204"/>
-              <a:buChar char="•"/>
-            </a:pPr>
-            <a:r>
-              <a:rPr lang="en-US" altLang="zh-CN" sz="2400" dirty="0"/>
-              <a:t>test </a:t>
-            </a:r>
-            <a:r>
-              <a:rPr lang="zh-CN" altLang="en-US" sz="2400" dirty="0"/>
-              <a:t>用于显示从 </a:t>
-            </a:r>
-            <a:r>
-              <a:rPr lang="en-US" altLang="zh-CN" sz="2400" dirty="0" err="1"/>
-              <a:t>NodeMCU</a:t>
-            </a:r>
-            <a:r>
-              <a:rPr lang="en-US" altLang="zh-CN" sz="2400" dirty="0"/>
-              <a:t> </a:t>
-            </a:r>
-            <a:r>
-              <a:rPr lang="zh-CN" altLang="en-US" sz="2400" dirty="0"/>
-              <a:t>采集到的数据。</a:t>
-            </a:r>
-            <a:endParaRPr lang="en-US" altLang="zh-CN" sz="2400" dirty="0"/>
-          </a:p>
-          <a:p>
-            <a:pPr marL="285750" indent="-285750" defTabSz="457200">
-              <a:spcBef>
-                <a:spcPct val="20000"/>
-              </a:spcBef>
-              <a:spcAft>
-                <a:spcPts val="600"/>
-              </a:spcAft>
-              <a:buClr>
-                <a:schemeClr val="accent1">
-                  <a:lumMod val="75000"/>
-                </a:schemeClr>
-              </a:buClr>
-              <a:buSzPct val="145000"/>
-              <a:buFont typeface="Arial" panose="020B0604020202020204"/>
-              <a:buChar char="•"/>
-            </a:pPr>
-            <a:r>
-              <a:rPr lang="en-US" altLang="zh-CN" sz="2400" dirty="0"/>
-              <a:t>Switch </a:t>
-            </a:r>
-            <a:r>
-              <a:rPr lang="zh-CN" altLang="en-US" sz="2400" dirty="0"/>
-              <a:t>用于和 </a:t>
-            </a:r>
-            <a:r>
-              <a:rPr lang="en-US" altLang="zh-CN" sz="2400" dirty="0" err="1"/>
-              <a:t>DashBoards</a:t>
-            </a:r>
-            <a:r>
-              <a:rPr lang="zh-CN" altLang="en-US" sz="2400" dirty="0"/>
-              <a:t> 中创建的开关灯控制块进行关联，用于控制 </a:t>
-            </a:r>
-            <a:r>
-              <a:rPr lang="en-US" altLang="zh-CN" sz="2400" dirty="0" err="1"/>
-              <a:t>NodeMCU</a:t>
-            </a:r>
-            <a:r>
-              <a:rPr lang="en-US" altLang="zh-CN" sz="2400" dirty="0"/>
-              <a:t> </a:t>
-            </a:r>
-            <a:r>
-              <a:rPr lang="zh-CN" altLang="en-US" sz="2400" dirty="0"/>
-              <a:t>的外围设备 </a:t>
-            </a:r>
-            <a:r>
-              <a:rPr lang="en-US" altLang="zh-CN" sz="2400" dirty="0"/>
-              <a:t>LED </a:t>
-            </a:r>
-            <a:r>
-              <a:rPr lang="zh-CN" altLang="en-US" sz="2400" dirty="0"/>
-              <a:t>灯。</a:t>
-            </a:r>
-          </a:p>
-        </p:txBody>
-      </p:sp>
     </p:spTree>
-    <p:extLst>
-      <p:ext uri="{BB962C8B-B14F-4D97-AF65-F5344CB8AC3E}">
-        <p14:creationId xmlns:p14="http://schemas.microsoft.com/office/powerpoint/2010/main" val="3531442098"/>
-      </p:ext>
-    </p:extLst>
-  </p:cSld>
-  <p:clrMapOvr>
-    <a:masterClrMapping/>
-  </p:clrMapOvr>
-  <mc:AlternateContent xmlns:mc="http://schemas.openxmlformats.org/markup-compatibility/2006" xmlns:p14="http://schemas.microsoft.com/office/powerpoint/2010/main">
-    <mc:Choice Requires="p14">
-      <p:transition spd="slow" p14:dur="1250">
-        <p:push dir="u"/>
-      </p:transition>
-    </mc:Choice>
-    <mc:Fallback xmlns="">
-      <p:transition spd="slow">
-        <p:push dir="u"/>
-      </p:transition>
-    </mc:Fallback>
-  </mc:AlternateContent>
-</p:sld>
-</file>
-
-<file path=ppt/slides/slide15.xml><?xml version="1.0" encoding="utf-8"?>
-<p:sld xmlns:a="http://schemas.openxmlformats.org/drawingml/2006/main" xmlns:r="http://schemas.openxmlformats.org/officeDocument/2006/relationships" xmlns:p="http://schemas.openxmlformats.org/presentationml/2006/main">
-  <p:cSld>
-    <p:spTree>
-      <p:nvGrpSpPr>
-        <p:cNvPr id="1" name=""/>
-        <p:cNvGrpSpPr/>
-        <p:nvPr/>
-      </p:nvGrpSpPr>
-      <p:grpSpPr>
-        <a:xfrm>
-          <a:off x="0" y="0"/>
-          <a:ext cx="0" cy="0"/>
-          <a:chOff x="0" y="0"/>
-          <a:chExt cx="0" cy="0"/>
-        </a:xfrm>
-      </p:grpSpPr>
-      <p:sp>
-        <p:nvSpPr>
-          <p:cNvPr id="2" name="标题 1">
-            <a:extLst>
-              <a:ext uri="{FF2B5EF4-FFF2-40B4-BE49-F238E27FC236}">
-                <a16:creationId xmlns:a16="http://schemas.microsoft.com/office/drawing/2014/main" id="{EB4D931F-DD44-4861-AE5C-1A8A9AFC7A30}"/>
-              </a:ext>
-            </a:extLst>
-          </p:cNvPr>
-          <p:cNvSpPr>
-            <a:spLocks noGrp="1"/>
-          </p:cNvSpPr>
-          <p:nvPr>
-            <p:ph type="title"/>
-          </p:nvPr>
-        </p:nvSpPr>
-        <p:spPr/>
-        <p:txBody>
-          <a:bodyPr/>
-          <a:lstStyle/>
-          <a:p>
-            <a:r>
-              <a:rPr lang="zh-CN" altLang="en-US" dirty="0"/>
-              <a:t>创建仪表盘开关灯控制块</a:t>
-            </a:r>
-          </a:p>
-        </p:txBody>
-      </p:sp>
-      <p:pic>
-        <p:nvPicPr>
-          <p:cNvPr id="5" name="内容占位符 4">
-            <a:extLst>
-              <a:ext uri="{FF2B5EF4-FFF2-40B4-BE49-F238E27FC236}">
-                <a16:creationId xmlns:a16="http://schemas.microsoft.com/office/drawing/2014/main" id="{803286C2-5988-4F9C-9768-100A3DEA51A1}"/>
-              </a:ext>
-            </a:extLst>
-          </p:cNvPr>
-          <p:cNvPicPr>
-            <a:picLocks noGrp="1" noChangeAspect="1"/>
-          </p:cNvPicPr>
-          <p:nvPr>
-            <p:ph idx="1"/>
-          </p:nvPr>
-        </p:nvPicPr>
-        <p:blipFill>
-          <a:blip r:embed="rId2"/>
-          <a:stretch>
-            <a:fillRect/>
-          </a:stretch>
-        </p:blipFill>
-        <p:spPr>
-          <a:xfrm>
-            <a:off x="4111237" y="2667000"/>
-            <a:ext cx="4669613" cy="3332163"/>
-          </a:xfrm>
-        </p:spPr>
-      </p:pic>
-    </p:spTree>
-    <p:extLst>
-      <p:ext uri="{BB962C8B-B14F-4D97-AF65-F5344CB8AC3E}">
-        <p14:creationId xmlns:p14="http://schemas.microsoft.com/office/powerpoint/2010/main" val="360778084"/>
-      </p:ext>
-    </p:extLst>
-  </p:cSld>
-  <p:clrMapOvr>
-    <a:masterClrMapping/>
-  </p:clrMapOvr>
-  <mc:AlternateContent xmlns:mc="http://schemas.openxmlformats.org/markup-compatibility/2006" xmlns:p14="http://schemas.microsoft.com/office/powerpoint/2010/main">
-    <mc:Choice Requires="p14">
-      <p:transition spd="slow" p14:dur="1250">
-        <p:push dir="u"/>
-      </p:transition>
-    </mc:Choice>
-    <mc:Fallback xmlns="">
-      <p:transition spd="slow">
-        <p:push dir="u"/>
-      </p:transition>
-    </mc:Fallback>
-  </mc:AlternateContent>
-</p:sld>
-</file>
-
-<file path=ppt/slides/slide16.xml><?xml version="1.0" encoding="utf-8"?>
-<p:sld xmlns:a="http://schemas.openxmlformats.org/drawingml/2006/main" xmlns:r="http://schemas.openxmlformats.org/officeDocument/2006/relationships" xmlns:p="http://schemas.openxmlformats.org/presentationml/2006/main">
-  <p:cSld>
-    <p:spTree>
-      <p:nvGrpSpPr>
-        <p:cNvPr id="1" name=""/>
-        <p:cNvGrpSpPr/>
-        <p:nvPr/>
-      </p:nvGrpSpPr>
-      <p:grpSpPr>
-        <a:xfrm>
-          <a:off x="0" y="0"/>
-          <a:ext cx="0" cy="0"/>
-          <a:chOff x="0" y="0"/>
-          <a:chExt cx="0" cy="0"/>
-        </a:xfrm>
-      </p:grpSpPr>
-      <p:sp>
-        <p:nvSpPr>
-          <p:cNvPr id="2" name="标题 1">
-            <a:extLst>
-              <a:ext uri="{FF2B5EF4-FFF2-40B4-BE49-F238E27FC236}">
-                <a16:creationId xmlns:a16="http://schemas.microsoft.com/office/drawing/2014/main" id="{A11E205E-56F8-406D-8597-18CA47A128ED}"/>
-              </a:ext>
-            </a:extLst>
-          </p:cNvPr>
-          <p:cNvSpPr>
-            <a:spLocks noGrp="1"/>
-          </p:cNvSpPr>
-          <p:nvPr>
-            <p:ph type="title"/>
-          </p:nvPr>
-        </p:nvSpPr>
-        <p:spPr/>
-        <p:txBody>
-          <a:bodyPr>
-            <a:normAutofit/>
-          </a:bodyPr>
-          <a:lstStyle/>
-          <a:p>
-            <a:r>
-              <a:rPr lang="zh-CN" altLang="en-US" sz="2800" dirty="0"/>
-              <a:t>相关库</a:t>
-            </a:r>
-          </a:p>
-        </p:txBody>
-      </p:sp>
-      <p:sp>
-        <p:nvSpPr>
-          <p:cNvPr id="3" name="内容占位符 2">
-            <a:extLst>
-              <a:ext uri="{FF2B5EF4-FFF2-40B4-BE49-F238E27FC236}">
-                <a16:creationId xmlns:a16="http://schemas.microsoft.com/office/drawing/2014/main" id="{D058B5DF-FFC1-4E62-9F52-28CF1F13D636}"/>
-              </a:ext>
-            </a:extLst>
-          </p:cNvPr>
-          <p:cNvSpPr>
-            <a:spLocks noGrp="1"/>
-          </p:cNvSpPr>
-          <p:nvPr>
-            <p:ph idx="1"/>
-          </p:nvPr>
-        </p:nvSpPr>
-        <p:spPr/>
-        <p:txBody>
-          <a:bodyPr/>
-          <a:lstStyle/>
-          <a:p>
-            <a:r>
-              <a:rPr lang="zh-CN" altLang="en-US" dirty="0"/>
-              <a:t>需要</a:t>
-            </a:r>
-            <a:r>
-              <a:rPr lang="en-US" altLang="zh-CN" dirty="0"/>
-              <a:t>Arduino IDE</a:t>
-            </a:r>
-            <a:r>
-              <a:rPr lang="zh-CN" altLang="zh-CN" dirty="0"/>
-              <a:t>库管理器来安装</a:t>
-            </a:r>
-            <a:r>
-              <a:rPr lang="en-US" altLang="zh-CN" dirty="0"/>
-              <a:t>3</a:t>
-            </a:r>
-            <a:r>
-              <a:rPr lang="zh-CN" altLang="en-US" dirty="0"/>
-              <a:t>个库。</a:t>
-            </a:r>
-            <a:endParaRPr lang="en-US" altLang="zh-CN" dirty="0"/>
-          </a:p>
-          <a:p>
-            <a:pPr marL="914400" lvl="1" indent="-457200">
-              <a:buFont typeface="+mj-lt"/>
-              <a:buAutoNum type="arabicPeriod"/>
-            </a:pPr>
-            <a:r>
-              <a:rPr lang="en-US" altLang="zh-CN" b="1" dirty="0"/>
-              <a:t>Adafruit IO</a:t>
-            </a:r>
-          </a:p>
-          <a:p>
-            <a:pPr marL="914400" lvl="1" indent="-457200">
-              <a:buFont typeface="+mj-lt"/>
-              <a:buAutoNum type="arabicPeriod"/>
-            </a:pPr>
-            <a:r>
-              <a:rPr lang="en-US" altLang="zh-CN" b="1" dirty="0"/>
-              <a:t>Adafruit MQTT</a:t>
-            </a:r>
-          </a:p>
-          <a:p>
-            <a:pPr marL="914400" lvl="1" indent="-457200">
-              <a:buFont typeface="+mj-lt"/>
-              <a:buAutoNum type="arabicPeriod"/>
-            </a:pPr>
-            <a:r>
-              <a:rPr lang="en-US" altLang="zh-CN" b="1" dirty="0" err="1"/>
-              <a:t>ArduinoHttpClient</a:t>
-            </a:r>
-            <a:endParaRPr lang="zh-CN" altLang="zh-CN" dirty="0"/>
-          </a:p>
-        </p:txBody>
-      </p:sp>
-    </p:spTree>
-    <p:extLst>
-      <p:ext uri="{BB962C8B-B14F-4D97-AF65-F5344CB8AC3E}">
-        <p14:creationId xmlns:p14="http://schemas.microsoft.com/office/powerpoint/2010/main" val="697638696"/>
-      </p:ext>
-    </p:extLst>
-  </p:cSld>
-  <p:clrMapOvr>
-    <a:masterClrMapping/>
-  </p:clrMapOvr>
-  <mc:AlternateContent xmlns:mc="http://schemas.openxmlformats.org/markup-compatibility/2006" xmlns:p14="http://schemas.microsoft.com/office/powerpoint/2010/main">
-    <mc:Choice Requires="p14">
-      <p:transition spd="slow" p14:dur="1250">
-        <p:push dir="u"/>
-      </p:transition>
-    </mc:Choice>
-    <mc:Fallback xmlns="">
-      <p:transition spd="slow">
-        <p:push dir="u"/>
-      </p:transition>
-    </mc:Fallback>
-  </mc:AlternateContent>
-</p:sld>
-</file>
-
-<file path=ppt/slides/slide17.xml><?xml version="1.0" encoding="utf-8"?>
-<p:sld xmlns:a="http://schemas.openxmlformats.org/drawingml/2006/main" xmlns:r="http://schemas.openxmlformats.org/officeDocument/2006/relationships" xmlns:p="http://schemas.openxmlformats.org/presentationml/2006/main">
-  <p:cSld>
-    <p:spTree>
-      <p:nvGrpSpPr>
-        <p:cNvPr id="1" name=""/>
-        <p:cNvGrpSpPr/>
-        <p:nvPr/>
-      </p:nvGrpSpPr>
-      <p:grpSpPr>
-        <a:xfrm>
-          <a:off x="0" y="0"/>
-          <a:ext cx="0" cy="0"/>
-          <a:chOff x="0" y="0"/>
-          <a:chExt cx="0" cy="0"/>
-        </a:xfrm>
-      </p:grpSpPr>
-      <p:sp>
-        <p:nvSpPr>
-          <p:cNvPr id="2" name="标题 1">
-            <a:extLst>
-              <a:ext uri="{FF2B5EF4-FFF2-40B4-BE49-F238E27FC236}">
-                <a16:creationId xmlns:a16="http://schemas.microsoft.com/office/drawing/2014/main" id="{7C2CDFE5-0AB7-4314-A331-2C3B1CC2016E}"/>
-              </a:ext>
-            </a:extLst>
-          </p:cNvPr>
-          <p:cNvSpPr>
-            <a:spLocks noGrp="1"/>
-          </p:cNvSpPr>
-          <p:nvPr>
-            <p:ph type="title"/>
-          </p:nvPr>
-        </p:nvSpPr>
-        <p:spPr/>
-        <p:txBody>
-          <a:bodyPr/>
-          <a:lstStyle/>
-          <a:p>
-            <a:pPr algn="ctr"/>
-            <a:r>
-              <a:rPr lang="zh-CN" altLang="en-US" dirty="0"/>
-              <a:t>实验</a:t>
-            </a:r>
-            <a:r>
-              <a:rPr lang="en-US" altLang="zh-CN" dirty="0"/>
-              <a:t>31</a:t>
-            </a:r>
-            <a:r>
-              <a:rPr lang="zh-CN" altLang="en-US" dirty="0"/>
-              <a:t>：</a:t>
-            </a:r>
-            <a:r>
-              <a:rPr lang="en-US" altLang="zh-CN" dirty="0"/>
-              <a:t>MQTT</a:t>
-            </a:r>
-            <a:r>
-              <a:rPr lang="zh-CN" altLang="en-US" dirty="0"/>
-              <a:t>与</a:t>
-            </a:r>
-            <a:r>
-              <a:rPr lang="en-US" altLang="zh-CN" dirty="0"/>
-              <a:t>IOT</a:t>
-            </a:r>
-            <a:r>
-              <a:rPr lang="zh-CN" altLang="en-US" dirty="0"/>
-              <a:t>互联</a:t>
-            </a:r>
-          </a:p>
-        </p:txBody>
-      </p:sp>
-      <p:sp>
-        <p:nvSpPr>
-          <p:cNvPr id="3" name="内容占位符 2">
-            <a:extLst>
-              <a:ext uri="{FF2B5EF4-FFF2-40B4-BE49-F238E27FC236}">
-                <a16:creationId xmlns:a16="http://schemas.microsoft.com/office/drawing/2014/main" id="{225D45FD-4DE4-47C2-B8B1-B2FDE6438B51}"/>
-              </a:ext>
-            </a:extLst>
-          </p:cNvPr>
-          <p:cNvSpPr>
-            <a:spLocks noGrp="1"/>
-          </p:cNvSpPr>
-          <p:nvPr>
-            <p:ph idx="1"/>
-          </p:nvPr>
-        </p:nvSpPr>
-        <p:spPr/>
-        <p:txBody>
-          <a:bodyPr>
-            <a:normAutofit fontScale="77500" lnSpcReduction="20000"/>
-          </a:bodyPr>
-          <a:lstStyle/>
-          <a:p>
-            <a:r>
-              <a:rPr lang="zh-CN" altLang="zh-CN" dirty="0"/>
-              <a:t>编写</a:t>
-            </a:r>
-            <a:r>
-              <a:rPr lang="en-US" altLang="zh-CN" dirty="0"/>
-              <a:t>Arduino</a:t>
-            </a:r>
-            <a:r>
-              <a:rPr lang="zh-CN" altLang="zh-CN" dirty="0"/>
-              <a:t>程序将</a:t>
-            </a:r>
-            <a:r>
-              <a:rPr lang="en-US" altLang="zh-CN" dirty="0" err="1"/>
-              <a:t>NodeMCU</a:t>
-            </a:r>
-            <a:r>
-              <a:rPr lang="zh-CN" altLang="zh-CN" dirty="0"/>
-              <a:t>配置为</a:t>
-            </a:r>
-            <a:r>
-              <a:rPr lang="en-US" altLang="zh-CN" dirty="0"/>
-              <a:t>MQTT</a:t>
-            </a:r>
-            <a:r>
-              <a:rPr lang="zh-CN" altLang="zh-CN" dirty="0"/>
-              <a:t>客户端</a:t>
-            </a:r>
-          </a:p>
-          <a:p>
-            <a:pPr marL="914400" lvl="1" indent="-457200">
-              <a:buFont typeface="+mj-lt"/>
-              <a:buAutoNum type="arabicPeriod"/>
-            </a:pPr>
-            <a:r>
-              <a:rPr lang="zh-CN" altLang="en-US" dirty="0"/>
-              <a:t>远程</a:t>
-            </a:r>
-            <a:r>
-              <a:rPr lang="zh-CN" altLang="zh-CN" dirty="0"/>
-              <a:t>控制</a:t>
-            </a:r>
-            <a:r>
-              <a:rPr lang="en-US" altLang="zh-CN" dirty="0"/>
-              <a:t>LED</a:t>
-            </a:r>
-            <a:r>
-              <a:rPr lang="zh-CN" altLang="en-US" dirty="0"/>
-              <a:t>开关</a:t>
-            </a:r>
-            <a:endParaRPr lang="zh-CN" altLang="zh-CN" dirty="0"/>
-          </a:p>
-          <a:p>
-            <a:pPr marL="914400" lvl="1" indent="-457200">
-              <a:buFont typeface="+mj-lt"/>
-              <a:buAutoNum type="arabicPeriod"/>
-            </a:pPr>
-            <a:r>
-              <a:rPr lang="zh-CN" altLang="zh-CN" dirty="0"/>
-              <a:t>通过</a:t>
-            </a:r>
-            <a:r>
-              <a:rPr lang="en-US" altLang="zh-CN" dirty="0"/>
-              <a:t>POT</a:t>
-            </a:r>
-            <a:r>
-              <a:rPr lang="zh-CN" altLang="zh-CN" dirty="0"/>
-              <a:t>（电位器）以数字形式发送电压到</a:t>
-            </a:r>
-            <a:r>
-              <a:rPr lang="en-US" altLang="zh-CN" dirty="0"/>
-              <a:t>Adafruit</a:t>
-            </a:r>
-            <a:r>
-              <a:rPr lang="zh-CN" altLang="zh-CN" dirty="0"/>
-              <a:t>仪表板</a:t>
-            </a:r>
-          </a:p>
-          <a:p>
-            <a:pPr marL="914400" lvl="1" indent="-457200">
-              <a:buFont typeface="+mj-lt"/>
-              <a:buAutoNum type="arabicPeriod"/>
-            </a:pPr>
-            <a:r>
-              <a:rPr lang="zh-CN" altLang="zh-CN" dirty="0"/>
-              <a:t>这里我们使用</a:t>
-            </a:r>
-            <a:r>
-              <a:rPr lang="en-US" altLang="zh-CN" dirty="0"/>
-              <a:t>Adafruit</a:t>
-            </a:r>
-            <a:r>
-              <a:rPr lang="zh-CN" altLang="zh-CN" dirty="0"/>
-              <a:t>服务器来进行</a:t>
-            </a:r>
-            <a:r>
-              <a:rPr lang="en-US" altLang="zh-CN" dirty="0"/>
-              <a:t>MQTT</a:t>
-            </a:r>
-            <a:r>
-              <a:rPr lang="zh-CN" altLang="zh-CN" dirty="0"/>
-              <a:t>客户端演示</a:t>
-            </a:r>
-            <a:endParaRPr lang="en-US" altLang="zh-CN" dirty="0"/>
-          </a:p>
-          <a:p>
-            <a:r>
-              <a:rPr lang="zh-CN" altLang="en-US" dirty="0"/>
-              <a:t>实验器材</a:t>
-            </a:r>
-            <a:endParaRPr lang="en-US" altLang="zh-CN" dirty="0"/>
-          </a:p>
-          <a:p>
-            <a:pPr lvl="1"/>
-            <a:r>
-              <a:rPr lang="en-US" altLang="zh-CN" dirty="0" err="1"/>
-              <a:t>NodeMCU</a:t>
-            </a:r>
-            <a:r>
-              <a:rPr lang="zh-CN" altLang="zh-CN" dirty="0"/>
-              <a:t>板子</a:t>
-            </a:r>
-          </a:p>
-          <a:p>
-            <a:pPr lvl="1"/>
-            <a:r>
-              <a:rPr lang="en-US" altLang="zh-CN" dirty="0"/>
-              <a:t>USB</a:t>
-            </a:r>
-            <a:r>
-              <a:rPr lang="zh-CN" altLang="zh-CN" dirty="0"/>
-              <a:t>下载线</a:t>
-            </a:r>
-          </a:p>
-          <a:p>
-            <a:pPr lvl="1"/>
-            <a:r>
-              <a:rPr lang="zh-CN" altLang="zh-CN" dirty="0"/>
-              <a:t>面包板</a:t>
-            </a:r>
-            <a:r>
-              <a:rPr lang="zh-CN" altLang="en-US" dirty="0"/>
-              <a:t>及跳线</a:t>
-            </a:r>
-            <a:endParaRPr lang="zh-CN" altLang="zh-CN" dirty="0"/>
-          </a:p>
-          <a:p>
-            <a:pPr lvl="1"/>
-            <a:r>
-              <a:rPr lang="en-US" altLang="zh-CN" dirty="0"/>
-              <a:t>LED</a:t>
-            </a:r>
-            <a:r>
-              <a:rPr lang="zh-CN" altLang="en-US" dirty="0"/>
-              <a:t>和电阻各</a:t>
-            </a:r>
-            <a:r>
-              <a:rPr lang="en-US" altLang="zh-CN" dirty="0"/>
-              <a:t>1</a:t>
-            </a:r>
-            <a:r>
-              <a:rPr lang="zh-CN" altLang="en-US" dirty="0"/>
-              <a:t>个</a:t>
-            </a:r>
-            <a:endParaRPr lang="zh-CN" altLang="zh-CN" dirty="0"/>
-          </a:p>
-          <a:p>
-            <a:pPr lvl="1"/>
-            <a:r>
-              <a:rPr lang="zh-CN" altLang="zh-CN" dirty="0"/>
-              <a:t>电位器</a:t>
-            </a:r>
-            <a:r>
-              <a:rPr lang="en-US" altLang="zh-CN" dirty="0"/>
-              <a:t>1</a:t>
-            </a:r>
-            <a:r>
-              <a:rPr lang="zh-CN" altLang="zh-CN" dirty="0"/>
-              <a:t>个</a:t>
-            </a:r>
-          </a:p>
-        </p:txBody>
-      </p:sp>
-    </p:spTree>
-    <p:extLst>
-      <p:ext uri="{BB962C8B-B14F-4D97-AF65-F5344CB8AC3E}">
-        <p14:creationId xmlns:p14="http://schemas.microsoft.com/office/powerpoint/2010/main" val="2871339393"/>
-      </p:ext>
-    </p:extLst>
-  </p:cSld>
-  <p:clrMapOvr>
-    <a:masterClrMapping/>
-  </p:clrMapOvr>
-  <mc:AlternateContent xmlns:mc="http://schemas.openxmlformats.org/markup-compatibility/2006" xmlns:p14="http://schemas.microsoft.com/office/powerpoint/2010/main">
-    <mc:Choice Requires="p14">
-      <p:transition spd="slow" p14:dur="1250">
-        <p:push dir="u"/>
-      </p:transition>
-    </mc:Choice>
-    <mc:Fallback xmlns="">
-      <p:transition spd="slow">
-        <p:push dir="u"/>
-      </p:transition>
-    </mc:Fallback>
-  </mc:AlternateContent>
-</p:sld>
-</file>
-
-<file path=ppt/slides/slide18.xml><?xml version="1.0" encoding="utf-8"?>
-<p:sld xmlns:a="http://schemas.openxmlformats.org/drawingml/2006/main" xmlns:r="http://schemas.openxmlformats.org/officeDocument/2006/relationships" xmlns:p="http://schemas.openxmlformats.org/presentationml/2006/main">
-  <p:cSld>
-    <p:spTree>
-      <p:nvGrpSpPr>
-        <p:cNvPr id="1" name=""/>
-        <p:cNvGrpSpPr/>
-        <p:nvPr/>
-      </p:nvGrpSpPr>
-      <p:grpSpPr>
-        <a:xfrm>
-          <a:off x="0" y="0"/>
-          <a:ext cx="0" cy="0"/>
-          <a:chOff x="0" y="0"/>
-          <a:chExt cx="0" cy="0"/>
-        </a:xfrm>
-      </p:grpSpPr>
-      <p:sp>
-        <p:nvSpPr>
-          <p:cNvPr id="3" name="文本占位符 2">
-            <a:extLst>
-              <a:ext uri="{FF2B5EF4-FFF2-40B4-BE49-F238E27FC236}">
-                <a16:creationId xmlns:a16="http://schemas.microsoft.com/office/drawing/2014/main" id="{B6F104AB-3C06-495C-9D24-B764CA2E3CA5}"/>
-              </a:ext>
-            </a:extLst>
-          </p:cNvPr>
-          <p:cNvSpPr>
-            <a:spLocks noGrp="1"/>
-          </p:cNvSpPr>
-          <p:nvPr>
-            <p:ph type="body" idx="4294967295"/>
-          </p:nvPr>
-        </p:nvSpPr>
-        <p:spPr>
-          <a:xfrm>
-            <a:off x="1112363" y="1681163"/>
-            <a:ext cx="5157788" cy="823912"/>
-          </a:xfrm>
-        </p:spPr>
-        <p:txBody>
-          <a:bodyPr/>
-          <a:lstStyle/>
-          <a:p>
-            <a:r>
-              <a:rPr lang="zh-CN" altLang="en-US" dirty="0"/>
-              <a:t>原理图</a:t>
-            </a:r>
-          </a:p>
-        </p:txBody>
-      </p:sp>
-      <p:sp>
-        <p:nvSpPr>
-          <p:cNvPr id="5" name="文本占位符 4">
-            <a:extLst>
-              <a:ext uri="{FF2B5EF4-FFF2-40B4-BE49-F238E27FC236}">
-                <a16:creationId xmlns:a16="http://schemas.microsoft.com/office/drawing/2014/main" id="{157FF3B5-A901-4A08-91C3-2938BB6FB942}"/>
-              </a:ext>
-            </a:extLst>
-          </p:cNvPr>
-          <p:cNvSpPr>
-            <a:spLocks noGrp="1"/>
-          </p:cNvSpPr>
-          <p:nvPr>
-            <p:ph type="body" sz="quarter" idx="4294967295"/>
-          </p:nvPr>
-        </p:nvSpPr>
-        <p:spPr>
-          <a:xfrm>
-            <a:off x="6524675" y="1665501"/>
-            <a:ext cx="5183187" cy="823912"/>
-          </a:xfrm>
-        </p:spPr>
-        <p:txBody>
-          <a:bodyPr/>
-          <a:lstStyle/>
-          <a:p>
-            <a:r>
-              <a:rPr lang="zh-CN" altLang="en-US" dirty="0"/>
-              <a:t>实物图</a:t>
-            </a:r>
-          </a:p>
-        </p:txBody>
-      </p:sp>
-      <p:pic>
-        <p:nvPicPr>
-          <p:cNvPr id="7" name="内容占位符 6">
-            <a:extLst>
-              <a:ext uri="{FF2B5EF4-FFF2-40B4-BE49-F238E27FC236}">
-                <a16:creationId xmlns:a16="http://schemas.microsoft.com/office/drawing/2014/main" id="{0167683E-57E4-423C-8CEA-00C42CC544F7}"/>
-              </a:ext>
-            </a:extLst>
-          </p:cNvPr>
-          <p:cNvPicPr>
-            <a:picLocks noGrp="1"/>
-          </p:cNvPicPr>
-          <p:nvPr>
-            <p:ph sz="half" idx="4294967295"/>
-          </p:nvPr>
-        </p:nvPicPr>
-        <p:blipFill>
-          <a:blip r:embed="rId2" cstate="print">
-            <a:extLst>
-              <a:ext uri="{28A0092B-C50C-407E-A947-70E740481C1C}">
-                <a14:useLocalDpi xmlns:a14="http://schemas.microsoft.com/office/drawing/2010/main" val="0"/>
-              </a:ext>
-            </a:extLst>
-          </a:blip>
-          <a:srcRect/>
-          <a:stretch>
-            <a:fillRect/>
-          </a:stretch>
-        </p:blipFill>
-        <p:spPr bwMode="auto">
-          <a:xfrm>
-            <a:off x="1366887" y="2735263"/>
-            <a:ext cx="5157788" cy="3224212"/>
-          </a:xfrm>
-          <a:prstGeom prst="rect">
-            <a:avLst/>
-          </a:prstGeom>
-          <a:noFill/>
-          <a:ln>
-            <a:noFill/>
-          </a:ln>
-        </p:spPr>
-      </p:pic>
-      <p:pic>
-        <p:nvPicPr>
-          <p:cNvPr id="8" name="内容占位符 7">
-            <a:extLst>
-              <a:ext uri="{FF2B5EF4-FFF2-40B4-BE49-F238E27FC236}">
-                <a16:creationId xmlns:a16="http://schemas.microsoft.com/office/drawing/2014/main" id="{F859ACBA-52A3-408C-9019-F4BBEC0C3010}"/>
-              </a:ext>
-            </a:extLst>
-          </p:cNvPr>
-          <p:cNvPicPr>
-            <a:picLocks noGrp="1"/>
-          </p:cNvPicPr>
-          <p:nvPr>
-            <p:ph sz="quarter" idx="4294967295"/>
-          </p:nvPr>
-        </p:nvPicPr>
-        <p:blipFill>
-          <a:blip r:embed="rId3" cstate="print">
-            <a:extLst>
-              <a:ext uri="{28A0092B-C50C-407E-A947-70E740481C1C}">
-                <a14:useLocalDpi xmlns:a14="http://schemas.microsoft.com/office/drawing/2010/main" val="0"/>
-              </a:ext>
-            </a:extLst>
-          </a:blip>
-          <a:srcRect/>
-          <a:stretch>
-            <a:fillRect/>
-          </a:stretch>
-        </p:blipFill>
-        <p:spPr bwMode="auto">
-          <a:xfrm>
-            <a:off x="6779199" y="2489413"/>
-            <a:ext cx="4748212" cy="3684588"/>
-          </a:xfrm>
-          <a:prstGeom prst="rect">
-            <a:avLst/>
-          </a:prstGeom>
-          <a:noFill/>
-          <a:ln>
-            <a:noFill/>
-          </a:ln>
-        </p:spPr>
-      </p:pic>
-    </p:spTree>
-    <p:extLst>
-      <p:ext uri="{BB962C8B-B14F-4D97-AF65-F5344CB8AC3E}">
-        <p14:creationId xmlns:p14="http://schemas.microsoft.com/office/powerpoint/2010/main" val="3942082729"/>
-      </p:ext>
-    </p:extLst>
   </p:cSld>
   <p:clrMapOvr>
     <a:masterClrMapping/>
@@ -8632,6 +6786,36 @@
           <a:ln>
             <a:noFill/>
           </a:ln>
+        </p:spPr>
+      </p:pic>
+      <p:pic>
+        <p:nvPicPr>
+          <p:cNvPr id="5" name="图片 4">
+            <a:extLst>
+              <a:ext uri="{FF2B5EF4-FFF2-40B4-BE49-F238E27FC236}">
+                <a16:creationId xmlns:a16="http://schemas.microsoft.com/office/drawing/2014/main" id="{072C4E47-86D8-92B1-5B5D-2E2EAF477FEB}"/>
+              </a:ext>
+            </a:extLst>
+          </p:cNvPr>
+          <p:cNvPicPr>
+            <a:picLocks noChangeAspect="1"/>
+          </p:cNvPicPr>
+          <p:nvPr/>
+        </p:nvPicPr>
+        <p:blipFill>
+          <a:blip r:embed="rId3"/>
+          <a:stretch>
+            <a:fillRect/>
+          </a:stretch>
+        </p:blipFill>
+        <p:spPr>
+          <a:xfrm>
+            <a:off x="6877686" y="7620"/>
+            <a:ext cx="3772535" cy="673100"/>
+          </a:xfrm>
+          <a:prstGeom prst="rect">
+            <a:avLst/>
+          </a:prstGeom>
         </p:spPr>
       </p:pic>
     </p:spTree>
@@ -8768,6 +6952,36 @@
           </a:p>
         </p:txBody>
       </p:sp>
+      <p:pic>
+        <p:nvPicPr>
+          <p:cNvPr id="4" name="图片 3">
+            <a:extLst>
+              <a:ext uri="{FF2B5EF4-FFF2-40B4-BE49-F238E27FC236}">
+                <a16:creationId xmlns:a16="http://schemas.microsoft.com/office/drawing/2014/main" id="{63CC8815-B29D-7A2D-DA3A-EAB0259E095C}"/>
+              </a:ext>
+            </a:extLst>
+          </p:cNvPr>
+          <p:cNvPicPr>
+            <a:picLocks noChangeAspect="1"/>
+          </p:cNvPicPr>
+          <p:nvPr/>
+        </p:nvPicPr>
+        <p:blipFill>
+          <a:blip r:embed="rId2"/>
+          <a:stretch>
+            <a:fillRect/>
+          </a:stretch>
+        </p:blipFill>
+        <p:spPr>
+          <a:xfrm>
+            <a:off x="6877686" y="7620"/>
+            <a:ext cx="3772535" cy="673100"/>
+          </a:xfrm>
+          <a:prstGeom prst="rect">
+            <a:avLst/>
+          </a:prstGeom>
+        </p:spPr>
+      </p:pic>
     </p:spTree>
     <p:extLst>
       <p:ext uri="{BB962C8B-B14F-4D97-AF65-F5344CB8AC3E}">
@@ -8970,6 +7184,36 @@
           </a:p>
         </p:txBody>
       </p:sp>
+      <p:pic>
+        <p:nvPicPr>
+          <p:cNvPr id="4" name="图片 3">
+            <a:extLst>
+              <a:ext uri="{FF2B5EF4-FFF2-40B4-BE49-F238E27FC236}">
+                <a16:creationId xmlns:a16="http://schemas.microsoft.com/office/drawing/2014/main" id="{9F5654BE-938F-B83F-373E-C586051722AB}"/>
+              </a:ext>
+            </a:extLst>
+          </p:cNvPr>
+          <p:cNvPicPr>
+            <a:picLocks noChangeAspect="1"/>
+          </p:cNvPicPr>
+          <p:nvPr/>
+        </p:nvPicPr>
+        <p:blipFill>
+          <a:blip r:embed="rId2"/>
+          <a:stretch>
+            <a:fillRect/>
+          </a:stretch>
+        </p:blipFill>
+        <p:spPr>
+          <a:xfrm>
+            <a:off x="6877686" y="7620"/>
+            <a:ext cx="3772535" cy="673100"/>
+          </a:xfrm>
+          <a:prstGeom prst="rect">
+            <a:avLst/>
+          </a:prstGeom>
+        </p:spPr>
+      </p:pic>
     </p:spTree>
     <p:extLst>
       <p:ext uri="{BB962C8B-B14F-4D97-AF65-F5344CB8AC3E}">
@@ -9083,6 +7327,36 @@
           <a:ln>
             <a:noFill/>
           </a:ln>
+        </p:spPr>
+      </p:pic>
+      <p:pic>
+        <p:nvPicPr>
+          <p:cNvPr id="5" name="图片 4">
+            <a:extLst>
+              <a:ext uri="{FF2B5EF4-FFF2-40B4-BE49-F238E27FC236}">
+                <a16:creationId xmlns:a16="http://schemas.microsoft.com/office/drawing/2014/main" id="{95C780F6-5225-0E68-2D63-2C4294C8685E}"/>
+              </a:ext>
+            </a:extLst>
+          </p:cNvPr>
+          <p:cNvPicPr>
+            <a:picLocks noChangeAspect="1"/>
+          </p:cNvPicPr>
+          <p:nvPr/>
+        </p:nvPicPr>
+        <p:blipFill>
+          <a:blip r:embed="rId3"/>
+          <a:stretch>
+            <a:fillRect/>
+          </a:stretch>
+        </p:blipFill>
+        <p:spPr>
+          <a:xfrm>
+            <a:off x="6877686" y="7620"/>
+            <a:ext cx="3772535" cy="673100"/>
+          </a:xfrm>
+          <a:prstGeom prst="rect">
+            <a:avLst/>
+          </a:prstGeom>
         </p:spPr>
       </p:pic>
     </p:spTree>
@@ -9199,6 +7473,36 @@
           </a:ln>
         </p:spPr>
       </p:pic>
+      <p:pic>
+        <p:nvPicPr>
+          <p:cNvPr id="5" name="图片 4">
+            <a:extLst>
+              <a:ext uri="{FF2B5EF4-FFF2-40B4-BE49-F238E27FC236}">
+                <a16:creationId xmlns:a16="http://schemas.microsoft.com/office/drawing/2014/main" id="{3BA4CA37-8FDC-E734-EB94-F1CB409FE55C}"/>
+              </a:ext>
+            </a:extLst>
+          </p:cNvPr>
+          <p:cNvPicPr>
+            <a:picLocks noChangeAspect="1"/>
+          </p:cNvPicPr>
+          <p:nvPr/>
+        </p:nvPicPr>
+        <p:blipFill>
+          <a:blip r:embed="rId3"/>
+          <a:stretch>
+            <a:fillRect/>
+          </a:stretch>
+        </p:blipFill>
+        <p:spPr>
+          <a:xfrm>
+            <a:off x="6877686" y="7620"/>
+            <a:ext cx="3772535" cy="673100"/>
+          </a:xfrm>
+          <a:prstGeom prst="rect">
+            <a:avLst/>
+          </a:prstGeom>
+        </p:spPr>
+      </p:pic>
     </p:spTree>
     <p:extLst>
       <p:ext uri="{BB962C8B-B14F-4D97-AF65-F5344CB8AC3E}">
@@ -9334,6 +7638,36 @@
           </a:p>
         </p:txBody>
       </p:sp>
+      <p:pic>
+        <p:nvPicPr>
+          <p:cNvPr id="4" name="图片 3">
+            <a:extLst>
+              <a:ext uri="{FF2B5EF4-FFF2-40B4-BE49-F238E27FC236}">
+                <a16:creationId xmlns:a16="http://schemas.microsoft.com/office/drawing/2014/main" id="{98EEF9B7-1AC1-AEAC-3C8C-3CDE4C3EBAA2}"/>
+              </a:ext>
+            </a:extLst>
+          </p:cNvPr>
+          <p:cNvPicPr>
+            <a:picLocks noChangeAspect="1"/>
+          </p:cNvPicPr>
+          <p:nvPr/>
+        </p:nvPicPr>
+        <p:blipFill>
+          <a:blip r:embed="rId2"/>
+          <a:stretch>
+            <a:fillRect/>
+          </a:stretch>
+        </p:blipFill>
+        <p:spPr>
+          <a:xfrm>
+            <a:off x="6877686" y="7620"/>
+            <a:ext cx="3772535" cy="673100"/>
+          </a:xfrm>
+          <a:prstGeom prst="rect">
+            <a:avLst/>
+          </a:prstGeom>
+        </p:spPr>
+      </p:pic>
     </p:spTree>
     <p:extLst>
       <p:ext uri="{BB962C8B-B14F-4D97-AF65-F5344CB8AC3E}">
@@ -9523,6 +7857,36 @@
           </a:p>
         </p:txBody>
       </p:sp>
+      <p:pic>
+        <p:nvPicPr>
+          <p:cNvPr id="4" name="图片 3">
+            <a:extLst>
+              <a:ext uri="{FF2B5EF4-FFF2-40B4-BE49-F238E27FC236}">
+                <a16:creationId xmlns:a16="http://schemas.microsoft.com/office/drawing/2014/main" id="{2D424AD5-0291-C68F-CF75-4090FD0B6500}"/>
+              </a:ext>
+            </a:extLst>
+          </p:cNvPr>
+          <p:cNvPicPr>
+            <a:picLocks noChangeAspect="1"/>
+          </p:cNvPicPr>
+          <p:nvPr/>
+        </p:nvPicPr>
+        <p:blipFill>
+          <a:blip r:embed="rId2"/>
+          <a:stretch>
+            <a:fillRect/>
+          </a:stretch>
+        </p:blipFill>
+        <p:spPr>
+          <a:xfrm>
+            <a:off x="6877686" y="7620"/>
+            <a:ext cx="3772535" cy="673100"/>
+          </a:xfrm>
+          <a:prstGeom prst="rect">
+            <a:avLst/>
+          </a:prstGeom>
+        </p:spPr>
+      </p:pic>
     </p:spTree>
     <p:extLst>
       <p:ext uri="{BB962C8B-B14F-4D97-AF65-F5344CB8AC3E}">
@@ -9715,6 +8079,36 @@
           <a:ln>
             <a:noFill/>
           </a:ln>
+        </p:spPr>
+      </p:pic>
+      <p:pic>
+        <p:nvPicPr>
+          <p:cNvPr id="6" name="图片 5">
+            <a:extLst>
+              <a:ext uri="{FF2B5EF4-FFF2-40B4-BE49-F238E27FC236}">
+                <a16:creationId xmlns:a16="http://schemas.microsoft.com/office/drawing/2014/main" id="{D5BE278D-B898-AE94-B65A-42BE23E9C89C}"/>
+              </a:ext>
+            </a:extLst>
+          </p:cNvPr>
+          <p:cNvPicPr>
+            <a:picLocks noChangeAspect="1"/>
+          </p:cNvPicPr>
+          <p:nvPr/>
+        </p:nvPicPr>
+        <p:blipFill>
+          <a:blip r:embed="rId4"/>
+          <a:stretch>
+            <a:fillRect/>
+          </a:stretch>
+        </p:blipFill>
+        <p:spPr>
+          <a:xfrm>
+            <a:off x="6877686" y="7620"/>
+            <a:ext cx="3772535" cy="673100"/>
+          </a:xfrm>
+          <a:prstGeom prst="rect">
+            <a:avLst/>
+          </a:prstGeom>
         </p:spPr>
       </p:pic>
     </p:spTree>
